--- a/Sunumlar/Sunum-1.pptx
+++ b/Sunumlar/Sunum-1.pptx
@@ -253,7 +253,7 @@
           <a:p>
             <a:fld id="{AF536ADF-3EC2-4D6F-9F7F-1F88E3288139}" type="datetime1">
               <a:rPr lang="tr-TR" smtClean="0"/>
-              <a:t>30.09.2023</a:t>
+              <a:t>3.01.2024</a:t>
             </a:fld>
             <a:endParaRPr lang="tr-TR"/>
           </a:p>
@@ -433,7 +433,7 @@
             <a:pPr rtl="0"/>
             <a:fld id="{BA214D3A-912A-4866-90B4-0232CEDB2416}" type="datetime1">
               <a:rPr lang="tr-TR" noProof="0" smtClean="0"/>
-              <a:t>30.09.2023</a:t>
+              <a:t>3.01.2024</a:t>
             </a:fld>
             <a:endParaRPr lang="tr-TR" noProof="0"/>
           </a:p>
@@ -14284,7 +14284,7 @@
         <p:spPr>
           <a:xfrm>
             <a:off x="274319" y="1058918"/>
-            <a:ext cx="4798341" cy="2585323"/>
+            <a:ext cx="4798341" cy="2308324"/>
           </a:xfrm>
           <a:prstGeom prst="rect">
             <a:avLst/>
@@ -14311,7 +14311,15 @@
             </a:r>
             <a:r>
               <a:rPr lang="tr-TR" dirty="0"/>
-              <a:t> göz bölgesi çok hassa bir şekilde elde ediliyor ve bir takım bilgiler kayboluyor.</a:t>
+              <a:t> göz bölgesi çok </a:t>
+            </a:r>
+            <a:r>
+              <a:rPr lang="tr-TR" dirty="0" smtClean="0"/>
+              <a:t>hassas </a:t>
+            </a:r>
+            <a:r>
+              <a:rPr lang="tr-TR" dirty="0"/>
+              <a:t>bir şekilde elde ediliyor ve bir takım bilgiler kayboluyor.</a:t>
             </a:r>
           </a:p>
           <a:p>
@@ -15696,7 +15704,21 @@
                 <a:latin typeface="Times New Roman" panose="02020603050405020304" pitchFamily="18" charset="0"/>
                 <a:cs typeface="Times New Roman" panose="02020603050405020304" pitchFamily="18" charset="0"/>
               </a:rPr>
-              <a:t>Bu harita 67 noktadan oluşmaktadır (yer işareti olarak da adlandırılmaktadır) ve aşağıdaki özellikleri tanımlayabilir:</a:t>
+              <a:t>Bu harita 67 noktadan oluşmaktadır (yer işareti olarak da adlandırılmaktadır) </a:t>
+            </a:r>
+            <a:r>
+              <a:rPr lang="tr-TR" sz="2400">
+                <a:latin typeface="Times New Roman" panose="02020603050405020304" pitchFamily="18" charset="0"/>
+                <a:cs typeface="Times New Roman" panose="02020603050405020304" pitchFamily="18" charset="0"/>
+              </a:rPr>
+              <a:t>ve yandaki </a:t>
+            </a:r>
+            <a:r>
+              <a:rPr lang="tr-TR" sz="2400" dirty="0">
+                <a:latin typeface="Times New Roman" panose="02020603050405020304" pitchFamily="18" charset="0"/>
+                <a:cs typeface="Times New Roman" panose="02020603050405020304" pitchFamily="18" charset="0"/>
+              </a:rPr>
+              <a:t>özellikleri tanımlayabilir:</a:t>
             </a:r>
           </a:p>
         </p:txBody>
@@ -15802,6 +15824,13 @@
   <p:clrMapOvr>
     <a:masterClrMapping/>
   </p:clrMapOvr>
+  <p:timing>
+    <p:tnLst>
+      <p:par>
+        <p:cTn id="1" dur="indefinite" restart="never" nodeType="tmRoot"/>
+      </p:par>
+    </p:tnLst>
+  </p:timing>
 </p:sld>
 </file>
 
@@ -16049,6 +16078,13 @@
   <p:clrMapOvr>
     <a:masterClrMapping/>
   </p:clrMapOvr>
+  <p:timing>
+    <p:tnLst>
+      <p:par>
+        <p:cTn id="1" dur="indefinite" restart="never" nodeType="tmRoot"/>
+      </p:par>
+    </p:tnLst>
+  </p:timing>
 </p:sld>
 </file>
 
@@ -16260,6 +16296,13 @@
   <p:clrMapOvr>
     <a:masterClrMapping/>
   </p:clrMapOvr>
+  <p:timing>
+    <p:tnLst>
+      <p:par>
+        <p:cTn id="1" dur="indefinite" restart="never" nodeType="tmRoot"/>
+      </p:par>
+    </p:tnLst>
+  </p:timing>
 </p:sld>
 </file>
 
@@ -16773,6 +16816,13 @@
   <p:clrMapOvr>
     <a:masterClrMapping/>
   </p:clrMapOvr>
+  <p:timing>
+    <p:tnLst>
+      <p:par>
+        <p:cTn id="1" dur="indefinite" restart="never" nodeType="tmRoot"/>
+      </p:par>
+    </p:tnLst>
+  </p:timing>
 </p:sld>
 </file>
 
@@ -17431,6 +17481,47 @@
           </a:p>
         </p:txBody>
       </p:sp>
+      <p:cxnSp>
+        <p:nvCxnSpPr>
+          <p:cNvPr id="8" name="Düz Ok Bağlayıcısı 7">
+            <a:extLst>
+              <a:ext uri="{FF2B5EF4-FFF2-40B4-BE49-F238E27FC236}">
+                <a16:creationId xmlns:a16="http://schemas.microsoft.com/office/drawing/2014/main" id="{813776B6-897B-221C-D28D-2414C25CF2B4}"/>
+              </a:ext>
+            </a:extLst>
+          </p:cNvPr>
+          <p:cNvCxnSpPr>
+            <a:endCxn id="5" idx="2"/>
+          </p:cNvCxnSpPr>
+          <p:nvPr/>
+        </p:nvCxnSpPr>
+        <p:spPr>
+          <a:xfrm flipV="1">
+            <a:off x="2046773" y="2342578"/>
+            <a:ext cx="2897083" cy="314325"/>
+          </a:xfrm>
+          <a:prstGeom prst="straightConnector1">
+            <a:avLst/>
+          </a:prstGeom>
+          <a:ln w="28575">
+            <a:tailEnd type="triangle"/>
+          </a:ln>
+        </p:spPr>
+        <p:style>
+          <a:lnRef idx="2">
+            <a:schemeClr val="dk1"/>
+          </a:lnRef>
+          <a:fillRef idx="0">
+            <a:schemeClr val="dk1"/>
+          </a:fillRef>
+          <a:effectRef idx="1">
+            <a:schemeClr val="dk1"/>
+          </a:effectRef>
+          <a:fontRef idx="minor">
+            <a:schemeClr val="tx1"/>
+          </a:fontRef>
+        </p:style>
+      </p:cxnSp>
     </p:spTree>
     <p:extLst>
       <p:ext uri="{BB962C8B-B14F-4D97-AF65-F5344CB8AC3E}">
@@ -17441,6 +17532,13 @@
   <p:clrMapOvr>
     <a:masterClrMapping/>
   </p:clrMapOvr>
+  <p:timing>
+    <p:tnLst>
+      <p:par>
+        <p:cTn id="1" dur="indefinite" restart="never" nodeType="tmRoot"/>
+      </p:par>
+    </p:tnLst>
+  </p:timing>
 </p:sld>
 </file>
 
@@ -17515,7 +17613,7 @@
         </p:spPr>
         <p:txBody>
           <a:bodyPr rtlCol="0">
-            <a:normAutofit/>
+            <a:normAutofit fontScale="92500"/>
           </a:bodyPr>
           <a:lstStyle/>
           <a:p>
@@ -17541,7 +17639,7 @@
             </a:r>
           </a:p>
           <a:p>
-            <a:pPr marL="285750" indent="-285750" rtl="0">
+            <a:pPr marL="285750" indent="-285750">
               <a:buFont typeface="Arial" panose="020B0604020202020204" pitchFamily="34" charset="0"/>
               <a:buChar char="•"/>
             </a:pPr>
@@ -17557,11 +17655,56 @@
                 <a:latin typeface="Times New Roman" panose="02020603050405020304" pitchFamily="18" charset="0"/>
                 <a:cs typeface="Times New Roman" panose="02020603050405020304" pitchFamily="18" charset="0"/>
               </a:rPr>
-              <a:t> bir sürü model bulunmaktadır."shape_predictor_68_face_landmarks.dat" modelini kullandık.</a:t>
-            </a:r>
+              <a:t> bir sürü model bulunmaktadır."shape_predictor_68_face_landmarks.dat" modelini kullandık</a:t>
+            </a:r>
+            <a:r>
+              <a:rPr lang="tr-TR" sz="1800" dirty="0">
+                <a:latin typeface="Times New Roman" panose="02020603050405020304" pitchFamily="18" charset="0"/>
+                <a:cs typeface="Times New Roman" panose="02020603050405020304" pitchFamily="18" charset="0"/>
+              </a:rPr>
+              <a:t>. </a:t>
+            </a:r>
+            <a:r>
+              <a:rPr lang="tr-TR" sz="1800" dirty="0" smtClean="0">
+                <a:latin typeface="Times New Roman" panose="02020603050405020304" pitchFamily="18" charset="0"/>
+                <a:cs typeface="Times New Roman" panose="02020603050405020304" pitchFamily="18" charset="0"/>
+                <a:hlinkClick r:id="rId4"/>
+              </a:rPr>
+              <a:t>https</a:t>
+            </a:r>
+            <a:r>
+              <a:rPr lang="tr-TR" sz="1800" dirty="0">
+                <a:latin typeface="Times New Roman" panose="02020603050405020304" pitchFamily="18" charset="0"/>
+                <a:cs typeface="Times New Roman" panose="02020603050405020304" pitchFamily="18" charset="0"/>
+                <a:hlinkClick r:id="rId4"/>
+              </a:rPr>
+              <a:t>://</a:t>
+            </a:r>
+            <a:r>
+              <a:rPr lang="tr-TR" sz="1800" dirty="0" smtClean="0">
+                <a:latin typeface="Times New Roman" panose="02020603050405020304" pitchFamily="18" charset="0"/>
+                <a:cs typeface="Times New Roman" panose="02020603050405020304" pitchFamily="18" charset="0"/>
+                <a:hlinkClick r:id="rId4"/>
+              </a:rPr>
+              <a:t>drive.google.com/file/d/1tI82EHznGYZ6Ci_JFGhJtGjpyiFkPGfn/view?usp=sharing</a:t>
+            </a:r>
+            <a:endParaRPr lang="tr-TR" sz="1800" dirty="0" smtClean="0">
+              <a:latin typeface="Times New Roman" panose="02020603050405020304" pitchFamily="18" charset="0"/>
+              <a:cs typeface="Times New Roman" panose="02020603050405020304" pitchFamily="18" charset="0"/>
+            </a:endParaRPr>
           </a:p>
           <a:p>
             <a:pPr rtl="0"/>
+            <a:r>
+              <a:rPr lang="en-US" sz="1800" b="0" i="0" smtClean="0">
+                <a:solidFill>
+                  <a:srgbClr val="0070C0"/>
+                </a:solidFill>
+                <a:effectLst/>
+                <a:latin typeface="Consolas" panose="020B0609020204030204" pitchFamily="49" charset="0"/>
+              </a:rPr>
+              <a:t>predictor </a:t>
+            </a:r>
             <a:r>
               <a:rPr lang="en-US" sz="1800" b="0" i="0" dirty="0">
                 <a:solidFill>
@@ -17570,7 +17713,7 @@
                 <a:effectLst/>
                 <a:latin typeface="Consolas" panose="020B0609020204030204" pitchFamily="49" charset="0"/>
               </a:rPr>
-              <a:t>predictor = </a:t>
+              <a:t>= </a:t>
             </a:r>
             <a:r>
               <a:rPr lang="en-US" sz="1800" b="0" i="0" dirty="0" err="1">
@@ -18155,8 +18298,8 @@
         </p:nvCxnSpPr>
         <p:spPr>
           <a:xfrm flipV="1">
-            <a:off x="6428232" y="2834640"/>
-            <a:ext cx="3553968" cy="2121408"/>
+            <a:off x="6339254" y="2834640"/>
+            <a:ext cx="3642946" cy="2423160"/>
           </a:xfrm>
           <a:prstGeom prst="straightConnector1">
             <a:avLst/>
@@ -18235,6 +18378,13 @@
   <p:clrMapOvr>
     <a:masterClrMapping/>
   </p:clrMapOvr>
+  <p:timing>
+    <p:tnLst>
+      <p:par>
+        <p:cTn id="1" dur="indefinite" restart="never" nodeType="tmRoot"/>
+      </p:par>
+    </p:tnLst>
+  </p:timing>
 </p:sld>
 </file>
 

--- a/Sunumlar/Sunum-1.pptx
+++ b/Sunumlar/Sunum-1.pptx
@@ -253,7 +253,7 @@
           <a:p>
             <a:fld id="{AF536ADF-3EC2-4D6F-9F7F-1F88E3288139}" type="datetime1">
               <a:rPr lang="tr-TR" smtClean="0"/>
-              <a:t>3.01.2024</a:t>
+              <a:t>3.10.2024</a:t>
             </a:fld>
             <a:endParaRPr lang="tr-TR"/>
           </a:p>
@@ -433,7 +433,7 @@
             <a:pPr rtl="0"/>
             <a:fld id="{BA214D3A-912A-4866-90B4-0232CEDB2416}" type="datetime1">
               <a:rPr lang="tr-TR" noProof="0" smtClean="0"/>
-              <a:t>3.01.2024</a:t>
+              <a:t>3.10.2024</a:t>
             </a:fld>
             <a:endParaRPr lang="tr-TR" noProof="0"/>
           </a:p>
@@ -14311,15 +14311,7 @@
             </a:r>
             <a:r>
               <a:rPr lang="tr-TR" dirty="0"/>
-              <a:t> göz bölgesi çok </a:t>
-            </a:r>
-            <a:r>
-              <a:rPr lang="tr-TR" dirty="0" smtClean="0"/>
-              <a:t>hassas </a:t>
-            </a:r>
-            <a:r>
-              <a:rPr lang="tr-TR" dirty="0"/>
-              <a:t>bir şekilde elde ediliyor ve bir takım bilgiler kayboluyor.</a:t>
+              <a:t> göz bölgesi çok hassas bir şekilde elde ediliyor ve bir takım bilgiler kayboluyor.</a:t>
             </a:r>
           </a:p>
           <a:p>
@@ -14675,7 +14667,7 @@
         <p:spPr>
           <a:xfrm>
             <a:off x="448056" y="1333238"/>
-            <a:ext cx="10552176" cy="3416320"/>
+            <a:ext cx="10552176" cy="4893647"/>
           </a:xfrm>
           <a:prstGeom prst="rect">
             <a:avLst/>
@@ -14718,8 +14710,19 @@
                 <a:latin typeface="Times New Roman" panose="02020603050405020304" pitchFamily="18" charset="0"/>
                 <a:cs typeface="Times New Roman" panose="02020603050405020304" pitchFamily="18" charset="0"/>
               </a:rPr>
-              <a:t>dosyasındaki göz açık-kapalı veri setini kullanarak bir derin öğrenme modeli (CNN) oluşturun ve eğitim işlemini gerçekleştirin.</a:t>
-            </a:r>
+              <a:t>dosyasındaki göz açık-kapalı veri setini kullanarak bir derin öğrenme modeli (CNN) oluşturun ve eğitim işlemini gerçekleştirin. Bu veri setindeki bilgileri 26x34x1 boyutunda resimlere </a:t>
+            </a:r>
+            <a:r>
+              <a:rPr lang="tr-TR" sz="2400">
+                <a:latin typeface="Times New Roman" panose="02020603050405020304" pitchFamily="18" charset="0"/>
+                <a:cs typeface="Times New Roman" panose="02020603050405020304" pitchFamily="18" charset="0"/>
+              </a:rPr>
+              <a:t>dönüştürerek kullanın.</a:t>
+            </a:r>
+            <a:endParaRPr lang="tr-TR" sz="2400" dirty="0">
+              <a:latin typeface="Times New Roman" panose="02020603050405020304" pitchFamily="18" charset="0"/>
+              <a:cs typeface="Times New Roman" panose="02020603050405020304" pitchFamily="18" charset="0"/>
+            </a:endParaRPr>
           </a:p>
           <a:p>
             <a:pPr marL="342900" indent="-342900" algn="just">
@@ -14772,6 +14775,43 @@
                 <a:cs typeface="Times New Roman" panose="02020603050405020304" pitchFamily="18" charset="0"/>
               </a:rPr>
               <a:t> kütüphanesi kullanılarak yapılmış yerli ve yabancı bilimsel çalışmaları araştırarak kısaca her çalışmayı özetleyen bir rapor hazırlayın.</a:t>
+            </a:r>
+          </a:p>
+          <a:p>
+            <a:pPr marL="342900" indent="-342900" algn="just">
+              <a:buFont typeface="Arial" panose="020B0604020202020204" pitchFamily="34" charset="0"/>
+              <a:buChar char="•"/>
+            </a:pPr>
+            <a:endParaRPr lang="tr-TR" sz="2400" dirty="0">
+              <a:latin typeface="Times New Roman" panose="02020603050405020304" pitchFamily="18" charset="0"/>
+              <a:cs typeface="Times New Roman" panose="02020603050405020304" pitchFamily="18" charset="0"/>
+            </a:endParaRPr>
+          </a:p>
+          <a:p>
+            <a:pPr marL="342900" indent="-342900" algn="just">
+              <a:buFont typeface="Arial" panose="020B0604020202020204" pitchFamily="34" charset="0"/>
+              <a:buChar char="•"/>
+            </a:pPr>
+            <a:r>
+              <a:rPr lang="tr-TR" sz="2400" dirty="0">
+                <a:latin typeface="Times New Roman" panose="02020603050405020304" pitchFamily="18" charset="0"/>
+                <a:cs typeface="Times New Roman" panose="02020603050405020304" pitchFamily="18" charset="0"/>
+              </a:rPr>
+              <a:t>Ayrıca </a:t>
+            </a:r>
+            <a:r>
+              <a:rPr lang="tr-TR" sz="2400" dirty="0" err="1">
+                <a:latin typeface="Times New Roman" panose="02020603050405020304" pitchFamily="18" charset="0"/>
+                <a:cs typeface="Times New Roman" panose="02020603050405020304" pitchFamily="18" charset="0"/>
+              </a:rPr>
+              <a:t>dlib</a:t>
+            </a:r>
+            <a:r>
+              <a:rPr lang="tr-TR" sz="2400" dirty="0">
+                <a:latin typeface="Times New Roman" panose="02020603050405020304" pitchFamily="18" charset="0"/>
+                <a:cs typeface="Times New Roman" panose="02020603050405020304" pitchFamily="18" charset="0"/>
+              </a:rPr>
+              <a:t> kütüphanesi ile kendiniz de bir veri seti oluşturun ve etiketleyin. Herkesin oluşturduğu veri seti birleştirilerek yeni bir veri seti elde edilecektir.</a:t>
             </a:r>
           </a:p>
         </p:txBody>
@@ -15824,13 +15864,6 @@
   <p:clrMapOvr>
     <a:masterClrMapping/>
   </p:clrMapOvr>
-  <p:timing>
-    <p:tnLst>
-      <p:par>
-        <p:cTn id="1" dur="indefinite" restart="never" nodeType="tmRoot"/>
-      </p:par>
-    </p:tnLst>
-  </p:timing>
 </p:sld>
 </file>
 
@@ -16078,13 +16111,6 @@
   <p:clrMapOvr>
     <a:masterClrMapping/>
   </p:clrMapOvr>
-  <p:timing>
-    <p:tnLst>
-      <p:par>
-        <p:cTn id="1" dur="indefinite" restart="never" nodeType="tmRoot"/>
-      </p:par>
-    </p:tnLst>
-  </p:timing>
 </p:sld>
 </file>
 
@@ -16296,13 +16322,6 @@
   <p:clrMapOvr>
     <a:masterClrMapping/>
   </p:clrMapOvr>
-  <p:timing>
-    <p:tnLst>
-      <p:par>
-        <p:cTn id="1" dur="indefinite" restart="never" nodeType="tmRoot"/>
-      </p:par>
-    </p:tnLst>
-  </p:timing>
 </p:sld>
 </file>
 
@@ -16816,13 +16835,6 @@
   <p:clrMapOvr>
     <a:masterClrMapping/>
   </p:clrMapOvr>
-  <p:timing>
-    <p:tnLst>
-      <p:par>
-        <p:cTn id="1" dur="indefinite" restart="never" nodeType="tmRoot"/>
-      </p:par>
-    </p:tnLst>
-  </p:timing>
 </p:sld>
 </file>
 
@@ -16861,8 +16873,8 @@
         </p:nvSpPr>
         <p:spPr>
           <a:xfrm>
-            <a:off x="382992" y="1103190"/>
-            <a:ext cx="10970808" cy="5253160"/>
+            <a:off x="382991" y="1103190"/>
+            <a:ext cx="11728143" cy="5253160"/>
           </a:xfrm>
         </p:spPr>
         <p:txBody>
@@ -16886,6 +16898,15 @@
               <a:t>dlib.get_frontal_face_detector</a:t>
             </a:r>
             <a:r>
+              <a:rPr lang="tr-TR" dirty="0">
+                <a:solidFill>
+                  <a:srgbClr val="333333"/>
+                </a:solidFill>
+                <a:latin typeface="Consolas" panose="020B0609020204030204" pitchFamily="49" charset="0"/>
+              </a:rPr>
+              <a:t>’den oluşturulan nesne</a:t>
+            </a:r>
+            <a:r>
               <a:rPr lang="tr-TR" sz="2000" b="0" i="0" dirty="0">
                 <a:solidFill>
                   <a:srgbClr val="333333"/>
@@ -16893,7 +16914,7 @@
                 <a:effectLst/>
                 <a:latin typeface="Consolas" panose="020B0609020204030204" pitchFamily="49" charset="0"/>
               </a:rPr>
-              <a:t> fonksiyonu yüz bölgesini tespit eder.</a:t>
+              <a:t> yüz bölgesini tespit eder.</a:t>
             </a:r>
           </a:p>
           <a:p>
@@ -17532,13 +17553,6 @@
   <p:clrMapOvr>
     <a:masterClrMapping/>
   </p:clrMapOvr>
-  <p:timing>
-    <p:tnLst>
-      <p:par>
-        <p:cTn id="1" dur="indefinite" restart="never" nodeType="tmRoot"/>
-      </p:par>
-    </p:tnLst>
-  </p:timing>
 </p:sld>
 </file>
 
@@ -17607,13 +17621,13 @@
         </p:nvSpPr>
         <p:spPr>
           <a:xfrm>
-            <a:off x="382992" y="1103190"/>
-            <a:ext cx="8495832" cy="5253160"/>
+            <a:off x="382991" y="1103190"/>
+            <a:ext cx="10505833" cy="5253160"/>
           </a:xfrm>
         </p:spPr>
         <p:txBody>
           <a:bodyPr rtlCol="0">
-            <a:normAutofit fontScale="92500"/>
+            <a:normAutofit/>
           </a:bodyPr>
           <a:lstStyle/>
           <a:p>
@@ -17655,22 +17669,7 @@
                 <a:latin typeface="Times New Roman" panose="02020603050405020304" pitchFamily="18" charset="0"/>
                 <a:cs typeface="Times New Roman" panose="02020603050405020304" pitchFamily="18" charset="0"/>
               </a:rPr>
-              <a:t> bir sürü model bulunmaktadır."shape_predictor_68_face_landmarks.dat" modelini kullandık</a:t>
-            </a:r>
-            <a:r>
-              <a:rPr lang="tr-TR" sz="1800" dirty="0">
-                <a:latin typeface="Times New Roman" panose="02020603050405020304" pitchFamily="18" charset="0"/>
-                <a:cs typeface="Times New Roman" panose="02020603050405020304" pitchFamily="18" charset="0"/>
-              </a:rPr>
-              <a:t>. </a:t>
-            </a:r>
-            <a:r>
-              <a:rPr lang="tr-TR" sz="1800" dirty="0" smtClean="0">
-                <a:latin typeface="Times New Roman" panose="02020603050405020304" pitchFamily="18" charset="0"/>
-                <a:cs typeface="Times New Roman" panose="02020603050405020304" pitchFamily="18" charset="0"/>
-                <a:hlinkClick r:id="rId4"/>
-              </a:rPr>
-              <a:t>https</a:t>
+              <a:t> bir sürü model bulunmaktadır."shape_predictor_68_face_landmarks.dat" modelini kullandık. </a:t>
             </a:r>
             <a:r>
               <a:rPr lang="tr-TR" sz="1800" dirty="0">
@@ -17678,33 +17677,15 @@
                 <a:cs typeface="Times New Roman" panose="02020603050405020304" pitchFamily="18" charset="0"/>
                 <a:hlinkClick r:id="rId4"/>
               </a:rPr>
-              <a:t>://</a:t>
-            </a:r>
-            <a:r>
-              <a:rPr lang="tr-TR" sz="1800" dirty="0" smtClean="0">
-                <a:latin typeface="Times New Roman" panose="02020603050405020304" pitchFamily="18" charset="0"/>
-                <a:cs typeface="Times New Roman" panose="02020603050405020304" pitchFamily="18" charset="0"/>
-                <a:hlinkClick r:id="rId4"/>
-              </a:rPr>
-              <a:t>drive.google.com/file/d/1tI82EHznGYZ6Ci_JFGhJtGjpyiFkPGfn/view?usp=sharing</a:t>
-            </a:r>
-            <a:endParaRPr lang="tr-TR" sz="1800" dirty="0" smtClean="0">
+              <a:t>https://drive.google.com/file/d/1tI82EHznGYZ6Ci_JFGhJtGjpyiFkPGfn/view?usp=sharing</a:t>
+            </a:r>
+            <a:endParaRPr lang="tr-TR" sz="1800" dirty="0">
               <a:latin typeface="Times New Roman" panose="02020603050405020304" pitchFamily="18" charset="0"/>
               <a:cs typeface="Times New Roman" panose="02020603050405020304" pitchFamily="18" charset="0"/>
             </a:endParaRPr>
           </a:p>
           <a:p>
             <a:pPr rtl="0"/>
-            <a:r>
-              <a:rPr lang="en-US" sz="1800" b="0" i="0" smtClean="0">
-                <a:solidFill>
-                  <a:srgbClr val="0070C0"/>
-                </a:solidFill>
-                <a:effectLst/>
-                <a:latin typeface="Consolas" panose="020B0609020204030204" pitchFamily="49" charset="0"/>
-              </a:rPr>
-              <a:t>predictor </a:t>
-            </a:r>
             <a:r>
               <a:rPr lang="en-US" sz="1800" b="0" i="0" dirty="0">
                 <a:solidFill>
@@ -17713,7 +17694,7 @@
                 <a:effectLst/>
                 <a:latin typeface="Consolas" panose="020B0609020204030204" pitchFamily="49" charset="0"/>
               </a:rPr>
-              <a:t>= </a:t>
+              <a:t>predictor = </a:t>
             </a:r>
             <a:r>
               <a:rPr lang="en-US" sz="1800" b="0" i="0" dirty="0" err="1">
@@ -18378,13 +18359,6 @@
   <p:clrMapOvr>
     <a:masterClrMapping/>
   </p:clrMapOvr>
-  <p:timing>
-    <p:tnLst>
-      <p:par>
-        <p:cTn id="1" dur="indefinite" restart="never" nodeType="tmRoot"/>
-      </p:par>
-    </p:tnLst>
-  </p:timing>
 </p:sld>
 </file>
 
@@ -19180,21 +19154,21 @@
 </file>
 
 <file path=customXml/item1.xml><?xml version="1.0" encoding="utf-8"?>
+<p:properties xmlns:p="http://schemas.microsoft.com/office/2006/metadata/properties" xmlns:xsi="http://www.w3.org/2001/XMLSchema-instance" xmlns:pc="http://schemas.microsoft.com/office/infopath/2007/PartnerControls">
+  <documentManagement>
+    <Status xmlns="71af3243-3dd4-4a8d-8c0d-dd76da1f02a5">Not started</Status>
+    <MediaServiceKeyPoints xmlns="71af3243-3dd4-4a8d-8c0d-dd76da1f02a5" xsi:nil="true"/>
+  </documentManagement>
+</p:properties>
+</file>
+
+<file path=customXml/item2.xml><?xml version="1.0" encoding="utf-8"?>
 <?mso-contentType ?>
 <FormTemplates xmlns="http://schemas.microsoft.com/sharepoint/v3/contenttype/forms">
   <Display>DocumentLibraryForm</Display>
   <Edit>DocumentLibraryForm</Edit>
   <New>DocumentLibraryForm</New>
 </FormTemplates>
-</file>
-
-<file path=customXml/item2.xml><?xml version="1.0" encoding="utf-8"?>
-<p:properties xmlns:p="http://schemas.microsoft.com/office/2006/metadata/properties" xmlns:xsi="http://www.w3.org/2001/XMLSchema-instance" xmlns:pc="http://schemas.microsoft.com/office/infopath/2007/PartnerControls">
-  <documentManagement>
-    <Status xmlns="71af3243-3dd4-4a8d-8c0d-dd76da1f02a5">Not started</Status>
-    <MediaServiceKeyPoints xmlns="71af3243-3dd4-4a8d-8c0d-dd76da1f02a5" xsi:nil="true"/>
-  </documentManagement>
-</p:properties>
 </file>
 
 <file path=customXml/item3.xml><?xml version="1.0" encoding="utf-8"?>
@@ -19419,19 +19393,19 @@
 </file>
 
 <file path=customXml/itemProps1.xml><?xml version="1.0" encoding="utf-8"?>
-<ds:datastoreItem xmlns:ds="http://schemas.openxmlformats.org/officeDocument/2006/customXml" ds:itemID="{3C8E00D1-8EA3-4E42-801D-0253E1EAFC21}">
+<ds:datastoreItem xmlns:ds="http://schemas.openxmlformats.org/officeDocument/2006/customXml" ds:itemID="{99919F73-B6C2-4A43-95E2-833EC48925FE}">
   <ds:schemaRefs>
-    <ds:schemaRef ds:uri="http://schemas.microsoft.com/sharepoint/v3/contenttype/forms"/>
+    <ds:schemaRef ds:uri="http://schemas.microsoft.com/office/2006/metadata/properties"/>
+    <ds:schemaRef ds:uri="http://schemas.microsoft.com/office/infopath/2007/PartnerControls"/>
+    <ds:schemaRef ds:uri="71af3243-3dd4-4a8d-8c0d-dd76da1f02a5"/>
   </ds:schemaRefs>
 </ds:datastoreItem>
 </file>
 
 <file path=customXml/itemProps2.xml><?xml version="1.0" encoding="utf-8"?>
-<ds:datastoreItem xmlns:ds="http://schemas.openxmlformats.org/officeDocument/2006/customXml" ds:itemID="{99919F73-B6C2-4A43-95E2-833EC48925FE}">
+<ds:datastoreItem xmlns:ds="http://schemas.openxmlformats.org/officeDocument/2006/customXml" ds:itemID="{3C8E00D1-8EA3-4E42-801D-0253E1EAFC21}">
   <ds:schemaRefs>
-    <ds:schemaRef ds:uri="http://schemas.microsoft.com/office/2006/metadata/properties"/>
-    <ds:schemaRef ds:uri="http://schemas.microsoft.com/office/infopath/2007/PartnerControls"/>
-    <ds:schemaRef ds:uri="71af3243-3dd4-4a8d-8c0d-dd76da1f02a5"/>
+    <ds:schemaRef ds:uri="http://schemas.microsoft.com/sharepoint/v3/contenttype/forms"/>
   </ds:schemaRefs>
 </ds:datastoreItem>
 </file>
